--- a/cs1301/slides/Review.pptx
+++ b/cs1301/slides/Review.pptx
@@ -119,6 +119,35 @@
 </p:presentation>
 </file>
 
+<file path=ppt/changesInfos/changesInfo1.xml><?xml version="1.0" encoding="utf-8"?>
+<pc:chgInfo xmlns:a="http://schemas.openxmlformats.org/drawingml/2006/main" xmlns:r="http://schemas.openxmlformats.org/officeDocument/2006/relationships" xmlns:ac="http://schemas.microsoft.com/office/drawing/2013/main/command" xmlns:pc="http://schemas.microsoft.com/office/powerpoint/2013/main/command">
+  <pc:docChgLst>
+    <pc:chgData name="Lin  Chen" userId="5b8d33d8-9b1a-4612-8f39-9bee1ddd9437" providerId="ADAL" clId="{D9DFAD5E-E9D6-8441-92F5-CCCB920E05FF}"/>
+    <pc:docChg chg="modSld">
+      <pc:chgData name="Lin  Chen" userId="5b8d33d8-9b1a-4612-8f39-9bee1ddd9437" providerId="ADAL" clId="{D9DFAD5E-E9D6-8441-92F5-CCCB920E05FF}" dt="2020-08-09T16:43:58.685" v="7" actId="20577"/>
+      <pc:docMkLst>
+        <pc:docMk/>
+      </pc:docMkLst>
+      <pc:sldChg chg="modSp mod">
+        <pc:chgData name="Lin  Chen" userId="5b8d33d8-9b1a-4612-8f39-9bee1ddd9437" providerId="ADAL" clId="{D9DFAD5E-E9D6-8441-92F5-CCCB920E05FF}" dt="2020-08-09T16:43:58.685" v="7" actId="20577"/>
+        <pc:sldMkLst>
+          <pc:docMk/>
+          <pc:sldMk cId="4129535017" sldId="256"/>
+        </pc:sldMkLst>
+        <pc:spChg chg="mod">
+          <ac:chgData name="Lin  Chen" userId="5b8d33d8-9b1a-4612-8f39-9bee1ddd9437" providerId="ADAL" clId="{D9DFAD5E-E9D6-8441-92F5-CCCB920E05FF}" dt="2020-08-09T16:43:58.685" v="7" actId="20577"/>
+          <ac:spMkLst>
+            <pc:docMk/>
+            <pc:sldMk cId="4129535017" sldId="256"/>
+            <ac:spMk id="12" creationId="{00000000-0000-0000-0000-000000000000}"/>
+          </ac:spMkLst>
+        </pc:spChg>
+      </pc:sldChg>
+    </pc:docChg>
+  </pc:docChgLst>
+</pc:chgInfo>
+</file>
+
 <file path=ppt/slideLayouts/slideLayout1.xml><?xml version="1.0" encoding="utf-8"?>
 <p:sldLayout xmlns:a="http://schemas.openxmlformats.org/drawingml/2006/main" xmlns:r="http://schemas.openxmlformats.org/officeDocument/2006/relationships" xmlns:p="http://schemas.openxmlformats.org/presentationml/2006/main" type="title" preserve="1">
   <p:cSld name="Title Slide">
@@ -248,7 +277,7 @@
           <a:p>
             <a:fld id="{96E653AB-DB9E-4EAF-B653-217F81226048}" type="datetimeFigureOut">
               <a:rPr lang="en-US" smtClean="0"/>
-              <a:t>8/19/2019</a:t>
+              <a:t>8/9/20</a:t>
             </a:fld>
             <a:endParaRPr lang="en-US"/>
           </a:p>
@@ -416,7 +445,7 @@
           <a:p>
             <a:fld id="{96E653AB-DB9E-4EAF-B653-217F81226048}" type="datetimeFigureOut">
               <a:rPr lang="en-US" smtClean="0"/>
-              <a:t>8/19/2019</a:t>
+              <a:t>8/9/20</a:t>
             </a:fld>
             <a:endParaRPr lang="en-US"/>
           </a:p>
@@ -594,7 +623,7 @@
           <a:p>
             <a:fld id="{96E653AB-DB9E-4EAF-B653-217F81226048}" type="datetimeFigureOut">
               <a:rPr lang="en-US" smtClean="0"/>
-              <a:t>8/19/2019</a:t>
+              <a:t>8/9/20</a:t>
             </a:fld>
             <a:endParaRPr lang="en-US"/>
           </a:p>
@@ -762,7 +791,7 @@
           <a:p>
             <a:fld id="{96E653AB-DB9E-4EAF-B653-217F81226048}" type="datetimeFigureOut">
               <a:rPr lang="en-US" smtClean="0"/>
-              <a:t>8/19/2019</a:t>
+              <a:t>8/9/20</a:t>
             </a:fld>
             <a:endParaRPr lang="en-US"/>
           </a:p>
@@ -1007,7 +1036,7 @@
           <a:p>
             <a:fld id="{96E653AB-DB9E-4EAF-B653-217F81226048}" type="datetimeFigureOut">
               <a:rPr lang="en-US" smtClean="0"/>
-              <a:t>8/19/2019</a:t>
+              <a:t>8/9/20</a:t>
             </a:fld>
             <a:endParaRPr lang="en-US"/>
           </a:p>
@@ -1236,7 +1265,7 @@
           <a:p>
             <a:fld id="{96E653AB-DB9E-4EAF-B653-217F81226048}" type="datetimeFigureOut">
               <a:rPr lang="en-US" smtClean="0"/>
-              <a:t>8/19/2019</a:t>
+              <a:t>8/9/20</a:t>
             </a:fld>
             <a:endParaRPr lang="en-US"/>
           </a:p>
@@ -1600,7 +1629,7 @@
           <a:p>
             <a:fld id="{96E653AB-DB9E-4EAF-B653-217F81226048}" type="datetimeFigureOut">
               <a:rPr lang="en-US" smtClean="0"/>
-              <a:t>8/19/2019</a:t>
+              <a:t>8/9/20</a:t>
             </a:fld>
             <a:endParaRPr lang="en-US"/>
           </a:p>
@@ -1717,7 +1746,7 @@
           <a:p>
             <a:fld id="{96E653AB-DB9E-4EAF-B653-217F81226048}" type="datetimeFigureOut">
               <a:rPr lang="en-US" smtClean="0"/>
-              <a:t>8/19/2019</a:t>
+              <a:t>8/9/20</a:t>
             </a:fld>
             <a:endParaRPr lang="en-US"/>
           </a:p>
@@ -1812,7 +1841,7 @@
           <a:p>
             <a:fld id="{96E653AB-DB9E-4EAF-B653-217F81226048}" type="datetimeFigureOut">
               <a:rPr lang="en-US" smtClean="0"/>
-              <a:t>8/19/2019</a:t>
+              <a:t>8/9/20</a:t>
             </a:fld>
             <a:endParaRPr lang="en-US"/>
           </a:p>
@@ -2087,7 +2116,7 @@
           <a:p>
             <a:fld id="{96E653AB-DB9E-4EAF-B653-217F81226048}" type="datetimeFigureOut">
               <a:rPr lang="en-US" smtClean="0"/>
-              <a:t>8/19/2019</a:t>
+              <a:t>8/9/20</a:t>
             </a:fld>
             <a:endParaRPr lang="en-US"/>
           </a:p>
@@ -2339,7 +2368,7 @@
           <a:p>
             <a:fld id="{96E653AB-DB9E-4EAF-B653-217F81226048}" type="datetimeFigureOut">
               <a:rPr lang="en-US" smtClean="0"/>
-              <a:t>8/19/2019</a:t>
+              <a:t>8/9/20</a:t>
             </a:fld>
             <a:endParaRPr lang="en-US"/>
           </a:p>
@@ -2550,7 +2579,7 @@
           <a:p>
             <a:fld id="{96E653AB-DB9E-4EAF-B653-217F81226048}" type="datetimeFigureOut">
               <a:rPr lang="en-US" smtClean="0"/>
-              <a:t>8/19/2019</a:t>
+              <a:t>8/9/20</a:t>
             </a:fld>
             <a:endParaRPr lang="en-US"/>
           </a:p>
@@ -3049,15 +3078,7 @@
           <a:p>
             <a:r>
               <a:rPr lang="en-US" b="1" i="1" dirty="0"/>
-              <a:t>Department of </a:t>
-            </a:r>
-            <a:r>
-              <a:rPr lang="en-US" b="1" i="1" dirty="0" smtClean="0"/>
-              <a:t>Computer </a:t>
-            </a:r>
-            <a:r>
-              <a:rPr lang="en-US" b="1" i="1" dirty="0"/>
-              <a:t>Science</a:t>
+              <a:t>Department of Computer Science</a:t>
             </a:r>
           </a:p>
         </p:txBody>
@@ -3126,7 +3147,7 @@
           <a:lstStyle/>
           <a:p>
             <a:r>
-              <a:rPr lang="en-US" sz="4000" b="1" dirty="0" smtClean="0">
+              <a:rPr lang="en-US" sz="4000" b="1" dirty="0">
                 <a:ln w="9525">
                   <a:solidFill>
                     <a:schemeClr val="bg1"/>
@@ -3148,26 +3169,6 @@
               </a:rPr>
               <a:t>Valdosta State University</a:t>
             </a:r>
-            <a:endParaRPr lang="en-US" sz="4000" b="1" dirty="0">
-              <a:ln w="9525">
-                <a:solidFill>
-                  <a:schemeClr val="bg1"/>
-                </a:solidFill>
-                <a:prstDash val="solid"/>
-              </a:ln>
-              <a:solidFill>
-                <a:srgbClr val="FF0000"/>
-              </a:solidFill>
-              <a:effectLst>
-                <a:outerShdw blurRad="12700" dist="38100" dir="2700000" algn="tl" rotWithShape="0">
-                  <a:schemeClr val="bg1">
-                    <a:lumMod val="50000"/>
-                  </a:schemeClr>
-                </a:outerShdw>
-              </a:effectLst>
-              <a:latin typeface="Segoe UI Black" panose="020B0A02040204020203" pitchFamily="34" charset="0"/>
-              <a:ea typeface="Segoe UI Black" panose="020B0A02040204020203" pitchFamily="34" charset="0"/>
-            </a:endParaRPr>
           </a:p>
         </p:txBody>
       </p:sp>
@@ -3213,7 +3214,7 @@
           </a:lstStyle>
           <a:p>
             <a:r>
-              <a:rPr lang="en-US" b="1" i="1" smtClean="0">
+              <a:rPr lang="en-US" b="1" i="1">
                 <a:latin typeface="Brush Script MT" panose="03060802040406070304" pitchFamily="66" charset="0"/>
               </a:rPr>
               <a:t>Review</a:t>
@@ -3233,7 +3234,7 @@
         <p:spPr>
           <a:xfrm>
             <a:off x="8319052" y="3717235"/>
-            <a:ext cx="1540230" cy="584775"/>
+            <a:ext cx="1599540" cy="584775"/>
           </a:xfrm>
           <a:prstGeom prst="rect">
             <a:avLst/>
@@ -3250,17 +3251,8 @@
               <a:rPr lang="en-US" sz="3200" b="1" i="1" dirty="0">
                 <a:latin typeface="Brush Script MT" panose="03060802040406070304" pitchFamily="66" charset="0"/>
               </a:rPr>
-              <a:t>Fall </a:t>
-            </a:r>
-            <a:r>
-              <a:rPr lang="en-US" sz="3200" b="1" i="1" dirty="0" smtClean="0">
-                <a:latin typeface="Brush Script MT" panose="03060802040406070304" pitchFamily="66" charset="0"/>
-              </a:rPr>
-              <a:t>2019</a:t>
-            </a:r>
-            <a:endParaRPr lang="en-US" sz="3200" b="1" i="1" dirty="0">
-              <a:latin typeface="Brush Script MT" panose="03060802040406070304" pitchFamily="66" charset="0"/>
-            </a:endParaRPr>
+              <a:t>Fall 2020</a:t>
+            </a:r>
           </a:p>
         </p:txBody>
       </p:sp>
@@ -3274,13 +3266,6 @@
   <p:clrMapOvr>
     <a:masterClrMapping/>
   </p:clrMapOvr>
-  <p:timing>
-    <p:tnLst>
-      <p:par>
-        <p:cTn id="1" dur="indefinite" restart="never" nodeType="tmRoot"/>
-      </p:par>
-    </p:tnLst>
-  </p:timing>
 </p:sld>
 </file>
 
@@ -3395,15 +3380,7 @@
           <a:p>
             <a:r>
               <a:rPr lang="en-US" b="1" i="1" dirty="0"/>
-              <a:t>Department of </a:t>
-            </a:r>
-            <a:r>
-              <a:rPr lang="en-US" b="1" i="1" dirty="0" smtClean="0"/>
-              <a:t>Computer </a:t>
-            </a:r>
-            <a:r>
-              <a:rPr lang="en-US" b="1" i="1" dirty="0"/>
-              <a:t>Science</a:t>
+              <a:t>Department of Computer Science</a:t>
             </a:r>
           </a:p>
         </p:txBody>
@@ -3472,7 +3449,7 @@
           <a:lstStyle/>
           <a:p>
             <a:r>
-              <a:rPr lang="en-US" sz="4000" b="1" dirty="0" smtClean="0">
+              <a:rPr lang="en-US" sz="4000" b="1" dirty="0">
                 <a:ln w="9525">
                   <a:solidFill>
                     <a:schemeClr val="bg1"/>
@@ -3494,26 +3471,6 @@
               </a:rPr>
               <a:t>Valdosta State University</a:t>
             </a:r>
-            <a:endParaRPr lang="en-US" sz="4000" b="1" dirty="0">
-              <a:ln w="9525">
-                <a:solidFill>
-                  <a:schemeClr val="bg1"/>
-                </a:solidFill>
-                <a:prstDash val="solid"/>
-              </a:ln>
-              <a:solidFill>
-                <a:srgbClr val="FF0000"/>
-              </a:solidFill>
-              <a:effectLst>
-                <a:outerShdw blurRad="12700" dist="38100" dir="2700000" algn="tl" rotWithShape="0">
-                  <a:schemeClr val="bg1">
-                    <a:lumMod val="50000"/>
-                  </a:schemeClr>
-                </a:outerShdw>
-              </a:effectLst>
-              <a:latin typeface="Segoe UI Black" panose="020B0A02040204020203" pitchFamily="34" charset="0"/>
-              <a:ea typeface="Segoe UI Black" panose="020B0A02040204020203" pitchFamily="34" charset="0"/>
-            </a:endParaRPr>
           </a:p>
         </p:txBody>
       </p:sp>
@@ -3580,22 +3537,13 @@
           <a:lstStyle/>
           <a:p>
             <a:r>
-              <a:rPr lang="en-US" dirty="0" smtClean="0">
-                <a:solidFill>
-                  <a:srgbClr val="333333"/>
-                </a:solidFill>
-                <a:latin typeface="Source Sans Pro"/>
-              </a:rPr>
-              <a:t>The Most Popular Programming </a:t>
-            </a:r>
-            <a:r>
               <a:rPr lang="en-US" dirty="0">
                 <a:solidFill>
                   <a:srgbClr val="333333"/>
                 </a:solidFill>
                 <a:latin typeface="Source Sans Pro"/>
               </a:rPr>
-              <a:t>Languages of 2019</a:t>
+              <a:t>The Most Popular Programming Languages of 2019</a:t>
             </a:r>
             <a:endParaRPr lang="en-US" b="0" i="0" dirty="0">
               <a:solidFill>
@@ -3648,13 +3596,6 @@
   <p:clrMapOvr>
     <a:masterClrMapping/>
   </p:clrMapOvr>
-  <p:timing>
-    <p:tnLst>
-      <p:par>
-        <p:cTn id="1" dur="indefinite" restart="never" nodeType="tmRoot"/>
-      </p:par>
-    </p:tnLst>
-  </p:timing>
 </p:sld>
 </file>
 
@@ -3769,15 +3710,7 @@
           <a:p>
             <a:r>
               <a:rPr lang="en-US" b="1" i="1" dirty="0"/>
-              <a:t>Department of </a:t>
-            </a:r>
-            <a:r>
-              <a:rPr lang="en-US" b="1" i="1" dirty="0" smtClean="0"/>
-              <a:t>Computer </a:t>
-            </a:r>
-            <a:r>
-              <a:rPr lang="en-US" b="1" i="1" dirty="0"/>
-              <a:t>Science</a:t>
+              <a:t>Department of Computer Science</a:t>
             </a:r>
           </a:p>
         </p:txBody>
@@ -3846,7 +3779,7 @@
           <a:lstStyle/>
           <a:p>
             <a:r>
-              <a:rPr lang="en-US" sz="4000" b="1" dirty="0" smtClean="0">
+              <a:rPr lang="en-US" sz="4000" b="1" dirty="0">
                 <a:ln w="9525">
                   <a:solidFill>
                     <a:schemeClr val="bg1"/>
@@ -3868,26 +3801,6 @@
               </a:rPr>
               <a:t>Valdosta State University</a:t>
             </a:r>
-            <a:endParaRPr lang="en-US" sz="4000" b="1" dirty="0">
-              <a:ln w="9525">
-                <a:solidFill>
-                  <a:schemeClr val="bg1"/>
-                </a:solidFill>
-                <a:prstDash val="solid"/>
-              </a:ln>
-              <a:solidFill>
-                <a:srgbClr val="FF0000"/>
-              </a:solidFill>
-              <a:effectLst>
-                <a:outerShdw blurRad="12700" dist="38100" dir="2700000" algn="tl" rotWithShape="0">
-                  <a:schemeClr val="bg1">
-                    <a:lumMod val="50000"/>
-                  </a:schemeClr>
-                </a:outerShdw>
-              </a:effectLst>
-              <a:latin typeface="Segoe UI Black" panose="020B0A02040204020203" pitchFamily="34" charset="0"/>
-              <a:ea typeface="Segoe UI Black" panose="020B0A02040204020203" pitchFamily="34" charset="0"/>
-            </a:endParaRPr>
           </a:p>
         </p:txBody>
       </p:sp>
@@ -3999,13 +3912,6 @@
   <p:clrMapOvr>
     <a:masterClrMapping/>
   </p:clrMapOvr>
-  <p:timing>
-    <p:tnLst>
-      <p:par>
-        <p:cTn id="1" dur="indefinite" restart="never" nodeType="tmRoot"/>
-      </p:par>
-    </p:tnLst>
-  </p:timing>
 </p:sld>
 </file>
 
@@ -4120,15 +4026,7 @@
           <a:p>
             <a:r>
               <a:rPr lang="en-US" b="1" i="1" dirty="0"/>
-              <a:t>Department of </a:t>
-            </a:r>
-            <a:r>
-              <a:rPr lang="en-US" b="1" i="1" dirty="0" smtClean="0"/>
-              <a:t>Computer </a:t>
-            </a:r>
-            <a:r>
-              <a:rPr lang="en-US" b="1" i="1" dirty="0"/>
-              <a:t>Science</a:t>
+              <a:t>Department of Computer Science</a:t>
             </a:r>
           </a:p>
         </p:txBody>
@@ -4197,7 +4095,7 @@
           <a:lstStyle/>
           <a:p>
             <a:r>
-              <a:rPr lang="en-US" sz="4000" b="1" dirty="0" smtClean="0">
+              <a:rPr lang="en-US" sz="4000" b="1" dirty="0">
                 <a:ln w="9525">
                   <a:solidFill>
                     <a:schemeClr val="bg1"/>
@@ -4219,26 +4117,6 @@
               </a:rPr>
               <a:t>Valdosta State University</a:t>
             </a:r>
-            <a:endParaRPr lang="en-US" sz="4000" b="1" dirty="0">
-              <a:ln w="9525">
-                <a:solidFill>
-                  <a:schemeClr val="bg1"/>
-                </a:solidFill>
-                <a:prstDash val="solid"/>
-              </a:ln>
-              <a:solidFill>
-                <a:srgbClr val="FF0000"/>
-              </a:solidFill>
-              <a:effectLst>
-                <a:outerShdw blurRad="12700" dist="38100" dir="2700000" algn="tl" rotWithShape="0">
-                  <a:schemeClr val="bg1">
-                    <a:lumMod val="50000"/>
-                  </a:schemeClr>
-                </a:outerShdw>
-              </a:effectLst>
-              <a:latin typeface="Segoe UI Black" panose="020B0A02040204020203" pitchFamily="34" charset="0"/>
-              <a:ea typeface="Segoe UI Black" panose="020B0A02040204020203" pitchFamily="34" charset="0"/>
-            </a:endParaRPr>
           </a:p>
         </p:txBody>
       </p:sp>
@@ -4870,18 +4748,13 @@
           <a:p>
             <a:pPr algn="ctr"/>
             <a:r>
-              <a:rPr lang="en-US" dirty="0" smtClean="0">
+              <a:rPr lang="en-US" dirty="0">
                 <a:solidFill>
                   <a:schemeClr val="tx1"/>
                 </a:solidFill>
               </a:rPr>
               <a:t>Artificial Intelligence</a:t>
             </a:r>
-            <a:endParaRPr lang="en-US" dirty="0">
-              <a:solidFill>
-                <a:schemeClr val="tx1"/>
-              </a:solidFill>
-            </a:endParaRPr>
           </a:p>
         </p:txBody>
       </p:sp>
@@ -4928,18 +4801,13 @@
           <a:p>
             <a:pPr algn="ctr"/>
             <a:r>
-              <a:rPr lang="en-US" dirty="0" smtClean="0">
+              <a:rPr lang="en-US" dirty="0">
                 <a:solidFill>
                   <a:schemeClr val="tx1"/>
                 </a:solidFill>
               </a:rPr>
               <a:t>Web Programming</a:t>
             </a:r>
-            <a:endParaRPr lang="en-US" dirty="0">
-              <a:solidFill>
-                <a:schemeClr val="tx1"/>
-              </a:solidFill>
-            </a:endParaRPr>
           </a:p>
         </p:txBody>
       </p:sp>
@@ -4953,13 +4821,6 @@
   <p:clrMapOvr>
     <a:masterClrMapping/>
   </p:clrMapOvr>
-  <p:timing>
-    <p:tnLst>
-      <p:par>
-        <p:cTn id="1" dur="indefinite" restart="never" nodeType="tmRoot"/>
-      </p:par>
-    </p:tnLst>
-  </p:timing>
 </p:sld>
 </file>
 
@@ -5074,15 +4935,7 @@
           <a:p>
             <a:r>
               <a:rPr lang="en-US" b="1" i="1" dirty="0"/>
-              <a:t>Department of </a:t>
-            </a:r>
-            <a:r>
-              <a:rPr lang="en-US" b="1" i="1" dirty="0" smtClean="0"/>
-              <a:t>Computer </a:t>
-            </a:r>
-            <a:r>
-              <a:rPr lang="en-US" b="1" i="1" dirty="0"/>
-              <a:t>Science</a:t>
+              <a:t>Department of Computer Science</a:t>
             </a:r>
           </a:p>
         </p:txBody>
@@ -5151,7 +5004,7 @@
           <a:lstStyle/>
           <a:p>
             <a:r>
-              <a:rPr lang="en-US" sz="4000" b="1" dirty="0" smtClean="0">
+              <a:rPr lang="en-US" sz="4000" b="1" dirty="0">
                 <a:ln w="9525">
                   <a:solidFill>
                     <a:schemeClr val="bg1"/>
@@ -5173,26 +5026,6 @@
               </a:rPr>
               <a:t>Valdosta State University</a:t>
             </a:r>
-            <a:endParaRPr lang="en-US" sz="4000" b="1" dirty="0">
-              <a:ln w="9525">
-                <a:solidFill>
-                  <a:schemeClr val="bg1"/>
-                </a:solidFill>
-                <a:prstDash val="solid"/>
-              </a:ln>
-              <a:solidFill>
-                <a:srgbClr val="FF0000"/>
-              </a:solidFill>
-              <a:effectLst>
-                <a:outerShdw blurRad="12700" dist="38100" dir="2700000" algn="tl" rotWithShape="0">
-                  <a:schemeClr val="bg1">
-                    <a:lumMod val="50000"/>
-                  </a:schemeClr>
-                </a:outerShdw>
-              </a:effectLst>
-              <a:latin typeface="Segoe UI Black" panose="020B0A02040204020203" pitchFamily="34" charset="0"/>
-              <a:ea typeface="Segoe UI Black" panose="020B0A02040204020203" pitchFamily="34" charset="0"/>
-            </a:endParaRPr>
           </a:p>
         </p:txBody>
       </p:sp>
@@ -5665,13 +5498,6 @@
   <p:clrMapOvr>
     <a:masterClrMapping/>
   </p:clrMapOvr>
-  <p:timing>
-    <p:tnLst>
-      <p:par>
-        <p:cTn id="1" dur="indefinite" restart="never" nodeType="tmRoot"/>
-      </p:par>
-    </p:tnLst>
-  </p:timing>
 </p:sld>
 </file>
 
@@ -5786,15 +5612,7 @@
           <a:p>
             <a:r>
               <a:rPr lang="en-US" b="1" i="1" dirty="0"/>
-              <a:t>Department of </a:t>
-            </a:r>
-            <a:r>
-              <a:rPr lang="en-US" b="1" i="1" dirty="0" smtClean="0"/>
-              <a:t>Computer </a:t>
-            </a:r>
-            <a:r>
-              <a:rPr lang="en-US" b="1" i="1" dirty="0"/>
-              <a:t>Science</a:t>
+              <a:t>Department of Computer Science</a:t>
             </a:r>
           </a:p>
         </p:txBody>
@@ -5863,7 +5681,7 @@
           <a:lstStyle/>
           <a:p>
             <a:r>
-              <a:rPr lang="en-US" sz="4000" b="1" dirty="0" smtClean="0">
+              <a:rPr lang="en-US" sz="4000" b="1" dirty="0">
                 <a:ln w="9525">
                   <a:solidFill>
                     <a:schemeClr val="bg1"/>
@@ -5885,26 +5703,6 @@
               </a:rPr>
               <a:t>Valdosta State University</a:t>
             </a:r>
-            <a:endParaRPr lang="en-US" sz="4000" b="1" dirty="0">
-              <a:ln w="9525">
-                <a:solidFill>
-                  <a:schemeClr val="bg1"/>
-                </a:solidFill>
-                <a:prstDash val="solid"/>
-              </a:ln>
-              <a:solidFill>
-                <a:srgbClr val="FF0000"/>
-              </a:solidFill>
-              <a:effectLst>
-                <a:outerShdw blurRad="12700" dist="38100" dir="2700000" algn="tl" rotWithShape="0">
-                  <a:schemeClr val="bg1">
-                    <a:lumMod val="50000"/>
-                  </a:schemeClr>
-                </a:outerShdw>
-              </a:effectLst>
-              <a:latin typeface="Segoe UI Black" panose="020B0A02040204020203" pitchFamily="34" charset="0"/>
-              <a:ea typeface="Segoe UI Black" panose="020B0A02040204020203" pitchFamily="34" charset="0"/>
-            </a:endParaRPr>
           </a:p>
         </p:txBody>
       </p:sp>
@@ -6531,13 +6329,6 @@
   <p:clrMapOvr>
     <a:masterClrMapping/>
   </p:clrMapOvr>
-  <p:timing>
-    <p:tnLst>
-      <p:par>
-        <p:cTn id="1" dur="indefinite" restart="never" nodeType="tmRoot"/>
-      </p:par>
-    </p:tnLst>
-  </p:timing>
 </p:sld>
 </file>
 
@@ -6652,15 +6443,7 @@
           <a:p>
             <a:r>
               <a:rPr lang="en-US" b="1" i="1" dirty="0"/>
-              <a:t>Department of </a:t>
-            </a:r>
-            <a:r>
-              <a:rPr lang="en-US" b="1" i="1" dirty="0" smtClean="0"/>
-              <a:t>Computer </a:t>
-            </a:r>
-            <a:r>
-              <a:rPr lang="en-US" b="1" i="1" dirty="0"/>
-              <a:t>Science</a:t>
+              <a:t>Department of Computer Science</a:t>
             </a:r>
           </a:p>
         </p:txBody>
@@ -6729,7 +6512,7 @@
           <a:lstStyle/>
           <a:p>
             <a:r>
-              <a:rPr lang="en-US" sz="4000" b="1" dirty="0" smtClean="0">
+              <a:rPr lang="en-US" sz="4000" b="1" dirty="0">
                 <a:ln w="9525">
                   <a:solidFill>
                     <a:schemeClr val="bg1"/>
@@ -6751,26 +6534,6 @@
               </a:rPr>
               <a:t>Valdosta State University</a:t>
             </a:r>
-            <a:endParaRPr lang="en-US" sz="4000" b="1" dirty="0">
-              <a:ln w="9525">
-                <a:solidFill>
-                  <a:schemeClr val="bg1"/>
-                </a:solidFill>
-                <a:prstDash val="solid"/>
-              </a:ln>
-              <a:solidFill>
-                <a:srgbClr val="FF0000"/>
-              </a:solidFill>
-              <a:effectLst>
-                <a:outerShdw blurRad="12700" dist="38100" dir="2700000" algn="tl" rotWithShape="0">
-                  <a:schemeClr val="bg1">
-                    <a:lumMod val="50000"/>
-                  </a:schemeClr>
-                </a:outerShdw>
-              </a:effectLst>
-              <a:latin typeface="Segoe UI Black" panose="020B0A02040204020203" pitchFamily="34" charset="0"/>
-              <a:ea typeface="Segoe UI Black" panose="020B0A02040204020203" pitchFamily="34" charset="0"/>
-            </a:endParaRPr>
           </a:p>
         </p:txBody>
       </p:sp>
@@ -6895,13 +6658,6 @@
   <p:clrMapOvr>
     <a:masterClrMapping/>
   </p:clrMapOvr>
-  <p:timing>
-    <p:tnLst>
-      <p:par>
-        <p:cTn id="1" dur="indefinite" restart="never" nodeType="tmRoot"/>
-      </p:par>
-    </p:tnLst>
-  </p:timing>
 </p:sld>
 </file>
 
@@ -7016,15 +6772,7 @@
           <a:p>
             <a:r>
               <a:rPr lang="en-US" b="1" i="1" dirty="0"/>
-              <a:t>Department of </a:t>
-            </a:r>
-            <a:r>
-              <a:rPr lang="en-US" b="1" i="1" dirty="0" smtClean="0"/>
-              <a:t>Computer </a:t>
-            </a:r>
-            <a:r>
-              <a:rPr lang="en-US" b="1" i="1" dirty="0"/>
-              <a:t>Science</a:t>
+              <a:t>Department of Computer Science</a:t>
             </a:r>
           </a:p>
         </p:txBody>
@@ -7093,7 +6841,7 @@
           <a:lstStyle/>
           <a:p>
             <a:r>
-              <a:rPr lang="en-US" sz="4000" b="1" dirty="0" smtClean="0">
+              <a:rPr lang="en-US" sz="4000" b="1" dirty="0">
                 <a:ln w="9525">
                   <a:solidFill>
                     <a:schemeClr val="bg1"/>
@@ -7115,26 +6863,6 @@
               </a:rPr>
               <a:t>Valdosta State University</a:t>
             </a:r>
-            <a:endParaRPr lang="en-US" sz="4000" b="1" dirty="0">
-              <a:ln w="9525">
-                <a:solidFill>
-                  <a:schemeClr val="bg1"/>
-                </a:solidFill>
-                <a:prstDash val="solid"/>
-              </a:ln>
-              <a:solidFill>
-                <a:srgbClr val="FF0000"/>
-              </a:solidFill>
-              <a:effectLst>
-                <a:outerShdw blurRad="12700" dist="38100" dir="2700000" algn="tl" rotWithShape="0">
-                  <a:schemeClr val="bg1">
-                    <a:lumMod val="50000"/>
-                  </a:schemeClr>
-                </a:outerShdw>
-              </a:effectLst>
-              <a:latin typeface="Segoe UI Black" panose="020B0A02040204020203" pitchFamily="34" charset="0"/>
-              <a:ea typeface="Segoe UI Black" panose="020B0A02040204020203" pitchFamily="34" charset="0"/>
-            </a:endParaRPr>
           </a:p>
         </p:txBody>
       </p:sp>
@@ -7316,13 +7044,6 @@
   <p:clrMapOvr>
     <a:masterClrMapping/>
   </p:clrMapOvr>
-  <p:timing>
-    <p:tnLst>
-      <p:par>
-        <p:cTn id="1" dur="indefinite" restart="never" nodeType="tmRoot"/>
-      </p:par>
-    </p:tnLst>
-  </p:timing>
 </p:sld>
 </file>
 
